--- a/Tutorial 4 Fourier Transforms/Tutorial 4 Presentation.pptx
+++ b/Tutorial 4 Fourier Transforms/Tutorial 4 Presentation.pptx
@@ -225,7 +225,7 @@
           <a:p>
             <a:fld id="{762B48F5-BACC-47D6-A0F7-82FBF9C6BC85}" type="datetimeFigureOut">
               <a:rPr lang="en-US"/>
-              <a:t>3/5/2019</a:t>
+              <a:t>3/10/2020</a:t>
             </a:fld>
             <a:endParaRPr/>
           </a:p>
@@ -390,7 +390,7 @@
           <a:p>
             <a:fld id="{0CB1CD00-5424-4675-AB18-2C419B060449}" type="datetimeFigureOut">
               <a:rPr lang="en-US"/>
-              <a:t>3/5/2019</a:t>
+              <a:t>3/10/2020</a:t>
             </a:fld>
             <a:endParaRPr/>
           </a:p>
@@ -1035,7 +1035,7 @@
           <a:p>
             <a:fld id="{37CC0096-1860-4642-9CD2-0079EA5E7CD1}" type="datetimeFigureOut">
               <a:rPr lang="en-US" smtClean="0"/>
-              <a:t>3/5/2019</a:t>
+              <a:t>3/10/2020</a:t>
             </a:fld>
             <a:endParaRPr lang="en-US"/>
           </a:p>
@@ -1214,7 +1214,7 @@
           <a:p>
             <a:fld id="{37CC0096-1860-4642-9CD2-0079EA5E7CD1}" type="datetimeFigureOut">
               <a:rPr lang="en-US" smtClean="0"/>
-              <a:t>3/5/2019</a:t>
+              <a:t>3/10/2020</a:t>
             </a:fld>
             <a:endParaRPr lang="en-US"/>
           </a:p>
@@ -1387,7 +1387,7 @@
           <a:p>
             <a:fld id="{37CC0096-1860-4642-9CD2-0079EA5E7CD1}" type="datetimeFigureOut">
               <a:rPr lang="en-US" smtClean="0"/>
-              <a:t>3/5/2019</a:t>
+              <a:t>3/10/2020</a:t>
             </a:fld>
             <a:endParaRPr lang="en-US"/>
           </a:p>
@@ -1820,7 +1820,7 @@
           <a:p>
             <a:fld id="{37CC0096-1860-4642-9CD2-0079EA5E7CD1}" type="datetimeFigureOut">
               <a:rPr lang="en-US" smtClean="0"/>
-              <a:t>3/5/2019</a:t>
+              <a:t>3/10/2020</a:t>
             </a:fld>
             <a:endParaRPr lang="en-US"/>
           </a:p>
@@ -2259,7 +2259,7 @@
           <a:p>
             <a:fld id="{37CC0096-1860-4642-9CD2-0079EA5E7CD1}" type="datetimeFigureOut">
               <a:rPr lang="en-US" smtClean="0"/>
-              <a:t>3/5/2019</a:t>
+              <a:t>3/10/2020</a:t>
             </a:fld>
             <a:endParaRPr lang="en-US"/>
           </a:p>
@@ -2376,7 +2376,7 @@
           <a:p>
             <a:fld id="{37CC0096-1860-4642-9CD2-0079EA5E7CD1}" type="datetimeFigureOut">
               <a:rPr lang="en-US" smtClean="0"/>
-              <a:t>3/5/2019</a:t>
+              <a:t>3/10/2020</a:t>
             </a:fld>
             <a:endParaRPr lang="en-US"/>
           </a:p>
@@ -2471,7 +2471,7 @@
           <a:p>
             <a:fld id="{37CC0096-1860-4642-9CD2-0079EA5E7CD1}" type="datetimeFigureOut">
               <a:rPr lang="en-US" smtClean="0"/>
-              <a:t>3/5/2019</a:t>
+              <a:t>3/10/2020</a:t>
             </a:fld>
             <a:endParaRPr lang="en-US"/>
           </a:p>
@@ -2755,7 +2755,7 @@
           <a:p>
             <a:fld id="{37CC0096-1860-4642-9CD2-0079EA5E7CD1}" type="datetimeFigureOut">
               <a:rPr lang="en-US" smtClean="0"/>
-              <a:t>3/5/2019</a:t>
+              <a:t>3/10/2020</a:t>
             </a:fld>
             <a:endParaRPr lang="en-US"/>
           </a:p>
@@ -3066,7 +3066,7 @@
           <a:p>
             <a:fld id="{37CC0096-1860-4642-9CD2-0079EA5E7CD1}" type="datetimeFigureOut">
               <a:rPr lang="en-US" smtClean="0"/>
-              <a:t>3/5/2019</a:t>
+              <a:t>3/10/2020</a:t>
             </a:fld>
             <a:endParaRPr lang="en-US"/>
           </a:p>
@@ -3298,7 +3298,7 @@
             <a:fld id="{37CC0096-1860-4642-9CD2-0079EA5E7CD1}" type="datetimeFigureOut">
               <a:rPr lang="en-US" smtClean="0"/>
               <a:pPr/>
-              <a:t>3/5/2019</a:t>
+              <a:t>3/10/2020</a:t>
             </a:fld>
             <a:endParaRPr lang="en-US"/>
           </a:p>
@@ -3684,7 +3684,7 @@
       </a:lvl9pPr>
     </p:otherStyle>
   </p:txStyles>
-  <p:extLst mod="1">
+  <p:extLst>
     <p:ext uri="{27BBF7A9-308A-43DC-89C8-2F10F3537804}">
       <p15:sldGuideLst xmlns:p15="http://schemas.microsoft.com/office/powerpoint/2012/main">
         <p15:guide id="1" orient="horz" pos="2160">
@@ -4172,53 +4172,6 @@
           </a:p>
         </p:txBody>
       </p:sp>
-      <p:pic>
-        <p:nvPicPr>
-          <p:cNvPr id="6150" name="Picture 6" descr="fft example">
-            <a:extLst>
-              <a:ext uri="{FF2B5EF4-FFF2-40B4-BE49-F238E27FC236}">
-                <a16:creationId xmlns:a16="http://schemas.microsoft.com/office/drawing/2014/main" id="{E357928A-8129-41BA-A45D-5925CFC0FD7E}"/>
-              </a:ext>
-            </a:extLst>
-          </p:cNvPr>
-          <p:cNvPicPr>
-            <a:picLocks noChangeAspect="1" noChangeArrowheads="1"/>
-          </p:cNvPicPr>
-          <p:nvPr/>
-        </p:nvPicPr>
-        <p:blipFill>
-          <a:blip r:embed="rId2">
-            <a:extLst>
-              <a:ext uri="{28A0092B-C50C-407E-A947-70E740481C1C}">
-                <a14:useLocalDpi xmlns:a14="http://schemas.microsoft.com/office/drawing/2010/main" val="0"/>
-              </a:ext>
-            </a:extLst>
-          </a:blip>
-          <a:srcRect/>
-          <a:stretch>
-            <a:fillRect/>
-          </a:stretch>
-        </p:blipFill>
-        <p:spPr bwMode="auto">
-          <a:xfrm>
-            <a:off x="2855640" y="2420888"/>
-            <a:ext cx="6105525" cy="1638300"/>
-          </a:xfrm>
-          <a:prstGeom prst="rect">
-            <a:avLst/>
-          </a:prstGeom>
-          <a:noFill/>
-          <a:extLst>
-            <a:ext uri="{909E8E84-426E-40DD-AFC4-6F175D3DCCD1}">
-              <a14:hiddenFill xmlns:a14="http://schemas.microsoft.com/office/drawing/2010/main">
-                <a:solidFill>
-                  <a:srgbClr val="FFFFFF"/>
-                </a:solidFill>
-              </a14:hiddenFill>
-            </a:ext>
-          </a:extLst>
-        </p:spPr>
-      </p:pic>
     </p:spTree>
     <p:extLst>
       <p:ext uri="{BB962C8B-B14F-4D97-AF65-F5344CB8AC3E}">
@@ -8006,6 +7959,15 @@
 </file>
 
 <file path=customXml/item2.xml><?xml version="1.0" encoding="utf-8"?>
+<?mso-contentType ?>
+<FormTemplates xmlns="http://schemas.microsoft.com/sharepoint/v3/contenttype/forms">
+  <Display>DocumentLibraryForm</Display>
+  <Edit>AssetEditForm</Edit>
+  <New>DocumentLibraryForm</New>
+</FormTemplates>
+</file>
+
+<file path=customXml/item3.xml><?xml version="1.0" encoding="utf-8"?>
 <p:properties xmlns:p="http://schemas.microsoft.com/office/2006/metadata/properties" xmlns:xsi="http://www.w3.org/2001/XMLSchema-instance" xmlns:pc="http://schemas.microsoft.com/office/infopath/2007/PartnerControls">
   <documentManagement>
     <DirectSourceMarket xmlns="4873beb7-5857-4685-be1f-d57550cc96cc" xsi:nil="true"/>
@@ -8131,15 +8093,6 @@
 </p:properties>
 </file>
 
-<file path=customXml/item3.xml><?xml version="1.0" encoding="utf-8"?>
-<?mso-contentType ?>
-<FormTemplates xmlns="http://schemas.microsoft.com/sharepoint/v3/contenttype/forms">
-  <Display>DocumentLibraryForm</Display>
-  <Edit>AssetEditForm</Edit>
-  <New>DocumentLibraryForm</New>
-</FormTemplates>
-</file>
-
 <file path=customXml/itemProps1.xml><?xml version="1.0" encoding="utf-8"?>
 <ds:datastoreItem xmlns:ds="http://schemas.openxmlformats.org/officeDocument/2006/customXml" ds:itemID="{0B5C6E15-39DC-470B-9445-F754B9458020}">
   <ds:schemaRefs>
@@ -8159,6 +8112,14 @@
 </file>
 
 <file path=customXml/itemProps2.xml><?xml version="1.0" encoding="utf-8"?>
+<ds:datastoreItem xmlns:ds="http://schemas.openxmlformats.org/officeDocument/2006/customXml" ds:itemID="{746CFF6F-D9AA-4BC0-911A-0A1356771912}">
+  <ds:schemaRefs>
+    <ds:schemaRef ds:uri="http://schemas.microsoft.com/sharepoint/v3/contenttype/forms"/>
+  </ds:schemaRefs>
+</ds:datastoreItem>
+</file>
+
+<file path=customXml/itemProps3.xml><?xml version="1.0" encoding="utf-8"?>
 <ds:datastoreItem xmlns:ds="http://schemas.openxmlformats.org/officeDocument/2006/customXml" ds:itemID="{04098515-0C12-46CF-BC7C-69B4A13CD5FA}">
   <ds:schemaRefs>
     <ds:schemaRef ds:uri="http://schemas.microsoft.com/office/2006/documentManagement/types"/>
@@ -8172,12 +8133,4 @@
     <ds:schemaRef ds:uri="http://purl.org/dc/dcmitype/"/>
   </ds:schemaRefs>
 </ds:datastoreItem>
-</file>
-
-<file path=customXml/itemProps3.xml><?xml version="1.0" encoding="utf-8"?>
-<ds:datastoreItem xmlns:ds="http://schemas.openxmlformats.org/officeDocument/2006/customXml" ds:itemID="{746CFF6F-D9AA-4BC0-911A-0A1356771912}">
-  <ds:schemaRefs>
-    <ds:schemaRef ds:uri="http://schemas.microsoft.com/sharepoint/v3/contenttype/forms"/>
-  </ds:schemaRefs>
-</ds:datastoreItem>
 </file>